--- a/SUMMARY/W201 RDADA.pptx
+++ b/SUMMARY/W201 RDADA.pptx
@@ -5,15 +5,16 @@
     <p:sldMasterId id="2147483648" r:id="rId1"/>
   </p:sldMasterIdLst>
   <p:sldIdLst>
-    <p:sldId id="266" r:id="rId2"/>
-    <p:sldId id="265" r:id="rId3"/>
-    <p:sldId id="256" r:id="rId4"/>
-    <p:sldId id="264" r:id="rId5"/>
-    <p:sldId id="259" r:id="rId6"/>
-    <p:sldId id="260" r:id="rId7"/>
-    <p:sldId id="262" r:id="rId8"/>
-    <p:sldId id="263" r:id="rId9"/>
-    <p:sldId id="267" r:id="rId10"/>
+    <p:sldId id="268" r:id="rId2"/>
+    <p:sldId id="266" r:id="rId3"/>
+    <p:sldId id="265" r:id="rId4"/>
+    <p:sldId id="256" r:id="rId5"/>
+    <p:sldId id="264" r:id="rId6"/>
+    <p:sldId id="259" r:id="rId7"/>
+    <p:sldId id="260" r:id="rId8"/>
+    <p:sldId id="262" r:id="rId9"/>
+    <p:sldId id="263" r:id="rId10"/>
+    <p:sldId id="267" r:id="rId11"/>
   </p:sldIdLst>
   <p:sldSz cx="12192000" cy="6858000"/>
   <p:notesSz cx="6858000" cy="9144000"/>
@@ -251,7 +252,7 @@
           <a:p>
             <a:fld id="{3568B474-FC74-4687-9311-B3D676140D06}" type="datetimeFigureOut">
               <a:rPr lang="en-US" smtClean="0"/>
-              <a:t>6/20/2017</a:t>
+              <a:t>9/3/2017</a:t>
             </a:fld>
             <a:endParaRPr lang="en-US"/>
           </a:p>
@@ -453,7 +454,7 @@
           <a:p>
             <a:fld id="{3568B474-FC74-4687-9311-B3D676140D06}" type="datetimeFigureOut">
               <a:rPr lang="en-US" smtClean="0"/>
-              <a:t>6/20/2017</a:t>
+              <a:t>9/3/2017</a:t>
             </a:fld>
             <a:endParaRPr lang="en-US"/>
           </a:p>
@@ -665,7 +666,7 @@
           <a:p>
             <a:fld id="{3568B474-FC74-4687-9311-B3D676140D06}" type="datetimeFigureOut">
               <a:rPr lang="en-US" smtClean="0"/>
-              <a:t>6/20/2017</a:t>
+              <a:t>9/3/2017</a:t>
             </a:fld>
             <a:endParaRPr lang="en-US"/>
           </a:p>
@@ -867,7 +868,7 @@
           <a:p>
             <a:fld id="{3568B474-FC74-4687-9311-B3D676140D06}" type="datetimeFigureOut">
               <a:rPr lang="en-US" smtClean="0"/>
-              <a:t>6/20/2017</a:t>
+              <a:t>9/3/2017</a:t>
             </a:fld>
             <a:endParaRPr lang="en-US"/>
           </a:p>
@@ -1113,7 +1114,7 @@
           <a:p>
             <a:fld id="{3568B474-FC74-4687-9311-B3D676140D06}" type="datetimeFigureOut">
               <a:rPr lang="en-US" smtClean="0"/>
-              <a:t>6/20/2017</a:t>
+              <a:t>9/3/2017</a:t>
             </a:fld>
             <a:endParaRPr lang="en-US"/>
           </a:p>
@@ -1409,7 +1410,7 @@
           <a:p>
             <a:fld id="{3568B474-FC74-4687-9311-B3D676140D06}" type="datetimeFigureOut">
               <a:rPr lang="en-US" smtClean="0"/>
-              <a:t>6/20/2017</a:t>
+              <a:t>9/3/2017</a:t>
             </a:fld>
             <a:endParaRPr lang="en-US"/>
           </a:p>
@@ -1840,7 +1841,7 @@
           <a:p>
             <a:fld id="{3568B474-FC74-4687-9311-B3D676140D06}" type="datetimeFigureOut">
               <a:rPr lang="en-US" smtClean="0"/>
-              <a:t>6/20/2017</a:t>
+              <a:t>9/3/2017</a:t>
             </a:fld>
             <a:endParaRPr lang="en-US"/>
           </a:p>
@@ -1958,7 +1959,7 @@
           <a:p>
             <a:fld id="{3568B474-FC74-4687-9311-B3D676140D06}" type="datetimeFigureOut">
               <a:rPr lang="en-US" smtClean="0"/>
-              <a:t>6/20/2017</a:t>
+              <a:t>9/3/2017</a:t>
             </a:fld>
             <a:endParaRPr lang="en-US"/>
           </a:p>
@@ -2053,7 +2054,7 @@
           <a:p>
             <a:fld id="{3568B474-FC74-4687-9311-B3D676140D06}" type="datetimeFigureOut">
               <a:rPr lang="en-US" smtClean="0"/>
-              <a:t>6/20/2017</a:t>
+              <a:t>9/3/2017</a:t>
             </a:fld>
             <a:endParaRPr lang="en-US"/>
           </a:p>
@@ -2362,7 +2363,7 @@
           <a:p>
             <a:fld id="{3568B474-FC74-4687-9311-B3D676140D06}" type="datetimeFigureOut">
               <a:rPr lang="en-US" smtClean="0"/>
-              <a:t>6/20/2017</a:t>
+              <a:t>9/3/2017</a:t>
             </a:fld>
             <a:endParaRPr lang="en-US"/>
           </a:p>
@@ -2615,7 +2616,7 @@
           <a:p>
             <a:fld id="{3568B474-FC74-4687-9311-B3D676140D06}" type="datetimeFigureOut">
               <a:rPr lang="en-US" smtClean="0"/>
-              <a:t>6/20/2017</a:t>
+              <a:t>9/3/2017</a:t>
             </a:fld>
             <a:endParaRPr lang="en-US"/>
           </a:p>
@@ -2860,7 +2861,7 @@
           <a:p>
             <a:fld id="{3568B474-FC74-4687-9311-B3D676140D06}" type="datetimeFigureOut">
               <a:rPr lang="en-US" smtClean="0"/>
-              <a:t>6/20/2017</a:t>
+              <a:t>9/3/2017</a:t>
             </a:fld>
             <a:endParaRPr lang="en-US"/>
           </a:p>
@@ -3282,63 +3283,8 @@
           <a:p>
             <a:r>
               <a:rPr lang="en-US" dirty="0" smtClean="0"/>
-              <a:t>Week3 - Learning</a:t>
-            </a:r>
-            <a:endParaRPr lang="en-US" dirty="0"/>
-          </a:p>
-        </p:txBody>
-      </p:sp>
-      <p:sp>
-        <p:nvSpPr>
-          <p:cNvPr id="3" name="コンテンツ プレースホルダー 2"/>
-          <p:cNvSpPr>
-            <a:spLocks noGrp="1"/>
-          </p:cNvSpPr>
-          <p:nvPr>
-            <p:ph idx="1"/>
-          </p:nvPr>
-        </p:nvSpPr>
-        <p:spPr/>
-        <p:txBody>
-          <a:bodyPr/>
-          <a:lstStyle/>
-          <a:p>
-            <a:pPr marL="0" indent="0">
-              <a:buNone/>
-            </a:pPr>
-            <a:r>
-              <a:rPr lang="en-US" b="1" dirty="0"/>
-              <a:t>Three decision making models</a:t>
-            </a:r>
-            <a:endParaRPr lang="en-US" dirty="0"/>
-          </a:p>
-          <a:p>
-            <a:pPr fontAlgn="ctr"/>
-            <a:r>
-              <a:rPr lang="en-US" dirty="0"/>
-              <a:t>The rational actor model - assumes an organization makes rational decisions.</a:t>
-            </a:r>
-          </a:p>
-          <a:p>
-            <a:pPr fontAlgn="ctr"/>
-            <a:r>
-              <a:rPr lang="en-US" dirty="0"/>
-              <a:t>The organizational process model - </a:t>
-            </a:r>
-            <a:r>
-              <a:rPr lang="en-US" altLang="ja-JP" dirty="0"/>
-              <a:t>complex organizations have standard way of doing things. Leaders break down a problem into pieces, assign it to "right" departments.</a:t>
-            </a:r>
-            <a:endParaRPr lang="en-US" dirty="0"/>
-          </a:p>
-          <a:p>
-            <a:pPr fontAlgn="ctr"/>
-            <a:r>
-              <a:rPr lang="en-US" altLang="ja-JP" dirty="0"/>
-              <a:t>Bureaucratic politics - where you stand depends on where you sit inside the organization</a:t>
-            </a:r>
-          </a:p>
-          <a:p>
+              <a:t>Work In Progress</a:t>
+            </a:r>
             <a:endParaRPr lang="en-US" dirty="0"/>
           </a:p>
         </p:txBody>
@@ -3346,7 +3292,101 @@
     </p:spTree>
     <p:extLst>
       <p:ext uri="{BB962C8B-B14F-4D97-AF65-F5344CB8AC3E}">
-        <p14:creationId xmlns:p14="http://schemas.microsoft.com/office/powerpoint/2010/main" val="3670207825"/>
+        <p14:creationId xmlns:p14="http://schemas.microsoft.com/office/powerpoint/2010/main" val="3586676451"/>
+      </p:ext>
+    </p:extLst>
+  </p:cSld>
+  <p:clrMapOvr>
+    <a:masterClrMapping/>
+  </p:clrMapOvr>
+</p:sld>
+</file>
+
+<file path=ppt/slides/slide10.xml><?xml version="1.0" encoding="utf-8"?>
+<p:sld xmlns:a="http://schemas.openxmlformats.org/drawingml/2006/main" xmlns:r="http://schemas.openxmlformats.org/officeDocument/2006/relationships" xmlns:p="http://schemas.openxmlformats.org/presentationml/2006/main">
+  <p:cSld>
+    <p:spTree>
+      <p:nvGrpSpPr>
+        <p:cNvPr id="1" name=""/>
+        <p:cNvGrpSpPr/>
+        <p:nvPr/>
+      </p:nvGrpSpPr>
+      <p:grpSpPr>
+        <a:xfrm>
+          <a:off x="0" y="0"/>
+          <a:ext cx="0" cy="0"/>
+          <a:chOff x="0" y="0"/>
+          <a:chExt cx="0" cy="0"/>
+        </a:xfrm>
+      </p:grpSpPr>
+      <p:sp>
+        <p:nvSpPr>
+          <p:cNvPr id="2" name="タイトル 1"/>
+          <p:cNvSpPr>
+            <a:spLocks noGrp="1"/>
+          </p:cNvSpPr>
+          <p:nvPr>
+            <p:ph type="title"/>
+          </p:nvPr>
+        </p:nvSpPr>
+        <p:spPr/>
+        <p:txBody>
+          <a:bodyPr/>
+          <a:lstStyle/>
+          <a:p>
+            <a:r>
+              <a:rPr lang="en-US" dirty="0" smtClean="0"/>
+              <a:t>Week6 Induction vs. Deduction</a:t>
+            </a:r>
+            <a:endParaRPr lang="en-US" dirty="0"/>
+          </a:p>
+        </p:txBody>
+      </p:sp>
+      <p:pic>
+        <p:nvPicPr>
+          <p:cNvPr id="1026" name="Picture 2" descr="https://reflectionsonkosovo.files.wordpress.com/2012/06/induction-deduction-1.png?w=300&amp;h=206"/>
+          <p:cNvPicPr>
+            <a:picLocks noChangeAspect="1" noChangeArrowheads="1"/>
+          </p:cNvPicPr>
+          <p:nvPr/>
+        </p:nvPicPr>
+        <p:blipFill>
+          <a:blip r:embed="rId2">
+            <a:extLst>
+              <a:ext uri="{28A0092B-C50C-407E-A947-70E740481C1C}">
+                <a14:useLocalDpi xmlns:a14="http://schemas.microsoft.com/office/drawing/2010/main" val="0"/>
+              </a:ext>
+            </a:extLst>
+          </a:blip>
+          <a:srcRect/>
+          <a:stretch>
+            <a:fillRect/>
+          </a:stretch>
+        </p:blipFill>
+        <p:spPr bwMode="auto">
+          <a:xfrm>
+            <a:off x="3068706" y="1774207"/>
+            <a:ext cx="6253317" cy="4293944"/>
+          </a:xfrm>
+          <a:prstGeom prst="rect">
+            <a:avLst/>
+          </a:prstGeom>
+          <a:noFill/>
+          <a:extLst>
+            <a:ext uri="{909E8E84-426E-40DD-AFC4-6F175D3DCCD1}">
+              <a14:hiddenFill xmlns:a14="http://schemas.microsoft.com/office/drawing/2010/main">
+                <a:solidFill>
+                  <a:srgbClr val="FFFFFF"/>
+                </a:solidFill>
+              </a14:hiddenFill>
+            </a:ext>
+          </a:extLst>
+        </p:spPr>
+      </p:pic>
+    </p:spTree>
+    <p:extLst>
+      <p:ext uri="{BB962C8B-B14F-4D97-AF65-F5344CB8AC3E}">
+        <p14:creationId xmlns:p14="http://schemas.microsoft.com/office/powerpoint/2010/main" val="2331695060"/>
       </p:ext>
     </p:extLst>
   </p:cSld>
@@ -3390,6 +3430,114 @@
           <a:p>
             <a:r>
               <a:rPr lang="en-US" dirty="0" smtClean="0"/>
+              <a:t>Week3 - Learning</a:t>
+            </a:r>
+            <a:endParaRPr lang="en-US" dirty="0"/>
+          </a:p>
+        </p:txBody>
+      </p:sp>
+      <p:sp>
+        <p:nvSpPr>
+          <p:cNvPr id="3" name="コンテンツ プレースホルダー 2"/>
+          <p:cNvSpPr>
+            <a:spLocks noGrp="1"/>
+          </p:cNvSpPr>
+          <p:nvPr>
+            <p:ph idx="1"/>
+          </p:nvPr>
+        </p:nvSpPr>
+        <p:spPr/>
+        <p:txBody>
+          <a:bodyPr/>
+          <a:lstStyle/>
+          <a:p>
+            <a:pPr marL="0" indent="0">
+              <a:buNone/>
+            </a:pPr>
+            <a:r>
+              <a:rPr lang="en-US" b="1" dirty="0"/>
+              <a:t>Three decision making models</a:t>
+            </a:r>
+            <a:endParaRPr lang="en-US" dirty="0"/>
+          </a:p>
+          <a:p>
+            <a:pPr fontAlgn="ctr"/>
+            <a:r>
+              <a:rPr lang="en-US" dirty="0"/>
+              <a:t>The rational actor model - assumes an organization makes rational decisions.</a:t>
+            </a:r>
+          </a:p>
+          <a:p>
+            <a:pPr fontAlgn="ctr"/>
+            <a:r>
+              <a:rPr lang="en-US" dirty="0"/>
+              <a:t>The organizational process model - </a:t>
+            </a:r>
+            <a:r>
+              <a:rPr lang="en-US" altLang="ja-JP" dirty="0"/>
+              <a:t>complex organizations have standard way of doing things. Leaders break down a problem into pieces, assign it to "right" departments.</a:t>
+            </a:r>
+            <a:endParaRPr lang="en-US" dirty="0"/>
+          </a:p>
+          <a:p>
+            <a:pPr fontAlgn="ctr"/>
+            <a:r>
+              <a:rPr lang="en-US" altLang="ja-JP" dirty="0"/>
+              <a:t>Bureaucratic politics - where you stand depends on where you sit inside the organization</a:t>
+            </a:r>
+          </a:p>
+          <a:p>
+            <a:endParaRPr lang="en-US" dirty="0"/>
+          </a:p>
+        </p:txBody>
+      </p:sp>
+    </p:spTree>
+    <p:extLst>
+      <p:ext uri="{BB962C8B-B14F-4D97-AF65-F5344CB8AC3E}">
+        <p14:creationId xmlns:p14="http://schemas.microsoft.com/office/powerpoint/2010/main" val="3670207825"/>
+      </p:ext>
+    </p:extLst>
+  </p:cSld>
+  <p:clrMapOvr>
+    <a:masterClrMapping/>
+  </p:clrMapOvr>
+</p:sld>
+</file>
+
+<file path=ppt/slides/slide3.xml><?xml version="1.0" encoding="utf-8"?>
+<p:sld xmlns:a="http://schemas.openxmlformats.org/drawingml/2006/main" xmlns:r="http://schemas.openxmlformats.org/officeDocument/2006/relationships" xmlns:p="http://schemas.openxmlformats.org/presentationml/2006/main">
+  <p:cSld>
+    <p:spTree>
+      <p:nvGrpSpPr>
+        <p:cNvPr id="1" name=""/>
+        <p:cNvGrpSpPr/>
+        <p:nvPr/>
+      </p:nvGrpSpPr>
+      <p:grpSpPr>
+        <a:xfrm>
+          <a:off x="0" y="0"/>
+          <a:ext cx="0" cy="0"/>
+          <a:chOff x="0" y="0"/>
+          <a:chExt cx="0" cy="0"/>
+        </a:xfrm>
+      </p:grpSpPr>
+      <p:sp>
+        <p:nvSpPr>
+          <p:cNvPr id="2" name="タイトル 1"/>
+          <p:cNvSpPr>
+            <a:spLocks noGrp="1"/>
+          </p:cNvSpPr>
+          <p:nvPr>
+            <p:ph type="title"/>
+          </p:nvPr>
+        </p:nvSpPr>
+        <p:spPr/>
+        <p:txBody>
+          <a:bodyPr/>
+          <a:lstStyle/>
+          <a:p>
+            <a:r>
+              <a:rPr lang="en-US" dirty="0" smtClean="0"/>
               <a:t>Week3 – Learning1 – Decision making</a:t>
             </a:r>
             <a:endParaRPr lang="en-US" dirty="0"/>
@@ -3472,7 +3620,7 @@
 </p:sld>
 </file>
 
-<file path=ppt/slides/slide3.xml><?xml version="1.0" encoding="utf-8"?>
+<file path=ppt/slides/slide4.xml><?xml version="1.0" encoding="utf-8"?>
 <p:sld xmlns:a="http://schemas.openxmlformats.org/drawingml/2006/main" xmlns:r="http://schemas.openxmlformats.org/officeDocument/2006/relationships" xmlns:p="http://schemas.openxmlformats.org/presentationml/2006/main">
   <p:cSld>
     <p:spTree>
@@ -3599,7 +3747,7 @@
 </p:sld>
 </file>
 
-<file path=ppt/slides/slide4.xml><?xml version="1.0" encoding="utf-8"?>
+<file path=ppt/slides/slide5.xml><?xml version="1.0" encoding="utf-8"?>
 <p:sld xmlns:a="http://schemas.openxmlformats.org/drawingml/2006/main" xmlns:r="http://schemas.openxmlformats.org/officeDocument/2006/relationships" xmlns:p="http://schemas.openxmlformats.org/presentationml/2006/main">
   <p:cSld>
     <p:spTree>
@@ -3695,7 +3843,7 @@
 </p:sld>
 </file>
 
-<file path=ppt/slides/slide5.xml><?xml version="1.0" encoding="utf-8"?>
+<file path=ppt/slides/slide6.xml><?xml version="1.0" encoding="utf-8"?>
 <p:sld xmlns:a="http://schemas.openxmlformats.org/drawingml/2006/main" xmlns:r="http://schemas.openxmlformats.org/officeDocument/2006/relationships" xmlns:p="http://schemas.openxmlformats.org/presentationml/2006/main">
   <p:cSld>
     <p:spTree>
@@ -3811,7 +3959,7 @@
 </p:sld>
 </file>
 
-<file path=ppt/slides/slide6.xml><?xml version="1.0" encoding="utf-8"?>
+<file path=ppt/slides/slide7.xml><?xml version="1.0" encoding="utf-8"?>
 <p:sld xmlns:a="http://schemas.openxmlformats.org/drawingml/2006/main" xmlns:r="http://schemas.openxmlformats.org/officeDocument/2006/relationships" xmlns:p="http://schemas.openxmlformats.org/presentationml/2006/main">
   <p:cSld>
     <p:spTree>
@@ -3903,7 +4051,7 @@
 </p:sld>
 </file>
 
-<file path=ppt/slides/slide7.xml><?xml version="1.0" encoding="utf-8"?>
+<file path=ppt/slides/slide8.xml><?xml version="1.0" encoding="utf-8"?>
 <p:sld xmlns:a="http://schemas.openxmlformats.org/drawingml/2006/main" xmlns:r="http://schemas.openxmlformats.org/officeDocument/2006/relationships" xmlns:p="http://schemas.openxmlformats.org/presentationml/2006/main">
   <p:cSld>
     <p:spTree>
@@ -4019,7 +4167,7 @@
 </p:sld>
 </file>
 
-<file path=ppt/slides/slide8.xml><?xml version="1.0" encoding="utf-8"?>
+<file path=ppt/slides/slide9.xml><?xml version="1.0" encoding="utf-8"?>
 <p:sld xmlns:a="http://schemas.openxmlformats.org/drawingml/2006/main" xmlns:r="http://schemas.openxmlformats.org/officeDocument/2006/relationships" xmlns:p="http://schemas.openxmlformats.org/presentationml/2006/main">
   <p:cSld>
     <p:spTree>
@@ -4102,100 +4250,6 @@
     <p:extLst>
       <p:ext uri="{BB962C8B-B14F-4D97-AF65-F5344CB8AC3E}">
         <p14:creationId xmlns:p14="http://schemas.microsoft.com/office/powerpoint/2010/main" val="2268361475"/>
-      </p:ext>
-    </p:extLst>
-  </p:cSld>
-  <p:clrMapOvr>
-    <a:masterClrMapping/>
-  </p:clrMapOvr>
-</p:sld>
-</file>
-
-<file path=ppt/slides/slide9.xml><?xml version="1.0" encoding="utf-8"?>
-<p:sld xmlns:a="http://schemas.openxmlformats.org/drawingml/2006/main" xmlns:r="http://schemas.openxmlformats.org/officeDocument/2006/relationships" xmlns:p="http://schemas.openxmlformats.org/presentationml/2006/main">
-  <p:cSld>
-    <p:spTree>
-      <p:nvGrpSpPr>
-        <p:cNvPr id="1" name=""/>
-        <p:cNvGrpSpPr/>
-        <p:nvPr/>
-      </p:nvGrpSpPr>
-      <p:grpSpPr>
-        <a:xfrm>
-          <a:off x="0" y="0"/>
-          <a:ext cx="0" cy="0"/>
-          <a:chOff x="0" y="0"/>
-          <a:chExt cx="0" cy="0"/>
-        </a:xfrm>
-      </p:grpSpPr>
-      <p:sp>
-        <p:nvSpPr>
-          <p:cNvPr id="2" name="タイトル 1"/>
-          <p:cNvSpPr>
-            <a:spLocks noGrp="1"/>
-          </p:cNvSpPr>
-          <p:nvPr>
-            <p:ph type="title"/>
-          </p:nvPr>
-        </p:nvSpPr>
-        <p:spPr/>
-        <p:txBody>
-          <a:bodyPr/>
-          <a:lstStyle/>
-          <a:p>
-            <a:r>
-              <a:rPr lang="en-US" dirty="0" smtClean="0"/>
-              <a:t>Week6 Induction vs. Deduction</a:t>
-            </a:r>
-            <a:endParaRPr lang="en-US" dirty="0"/>
-          </a:p>
-        </p:txBody>
-      </p:sp>
-      <p:pic>
-        <p:nvPicPr>
-          <p:cNvPr id="1026" name="Picture 2" descr="https://reflectionsonkosovo.files.wordpress.com/2012/06/induction-deduction-1.png?w=300&amp;h=206"/>
-          <p:cNvPicPr>
-            <a:picLocks noChangeAspect="1" noChangeArrowheads="1"/>
-          </p:cNvPicPr>
-          <p:nvPr/>
-        </p:nvPicPr>
-        <p:blipFill>
-          <a:blip r:embed="rId2">
-            <a:extLst>
-              <a:ext uri="{28A0092B-C50C-407E-A947-70E740481C1C}">
-                <a14:useLocalDpi xmlns:a14="http://schemas.microsoft.com/office/drawing/2010/main" val="0"/>
-              </a:ext>
-            </a:extLst>
-          </a:blip>
-          <a:srcRect/>
-          <a:stretch>
-            <a:fillRect/>
-          </a:stretch>
-        </p:blipFill>
-        <p:spPr bwMode="auto">
-          <a:xfrm>
-            <a:off x="3068706" y="1774207"/>
-            <a:ext cx="6253317" cy="4293944"/>
-          </a:xfrm>
-          <a:prstGeom prst="rect">
-            <a:avLst/>
-          </a:prstGeom>
-          <a:noFill/>
-          <a:extLst>
-            <a:ext uri="{909E8E84-426E-40DD-AFC4-6F175D3DCCD1}">
-              <a14:hiddenFill xmlns:a14="http://schemas.microsoft.com/office/drawing/2010/main">
-                <a:solidFill>
-                  <a:srgbClr val="FFFFFF"/>
-                </a:solidFill>
-              </a14:hiddenFill>
-            </a:ext>
-          </a:extLst>
-        </p:spPr>
-      </p:pic>
-    </p:spTree>
-    <p:extLst>
-      <p:ext uri="{BB962C8B-B14F-4D97-AF65-F5344CB8AC3E}">
-        <p14:creationId xmlns:p14="http://schemas.microsoft.com/office/powerpoint/2010/main" val="2331695060"/>
       </p:ext>
     </p:extLst>
   </p:cSld>
